--- a/DRIFT2.pptx
+++ b/DRIFT2.pptx
@@ -15,8 +15,8 @@
     <p:sldId id="275" r:id="rId9"/>
     <p:sldId id="267" r:id="rId10"/>
     <p:sldId id="268" r:id="rId11"/>
-    <p:sldId id="274" r:id="rId12"/>
-    <p:sldId id="276" r:id="rId13"/>
+    <p:sldId id="276" r:id="rId12"/>
+    <p:sldId id="274" r:id="rId13"/>
     <p:sldId id="262" r:id="rId14"/>
     <p:sldId id="261" r:id="rId15"/>
   </p:sldIdLst>
@@ -308,7 +308,7 @@
           <a:p>
             <a:fld id="{A89F5469-1DD7-4EEF-A950-A56122DA5497}" type="datetimeFigureOut">
               <a:rPr lang="ko-KR" altLang="en-US" smtClean="0"/>
-              <a:t>2016-10-15</a:t>
+              <a:t>2016-10-17</a:t>
             </a:fld>
             <a:endParaRPr lang="ko-KR" altLang="en-US"/>
           </a:p>
@@ -515,7 +515,7 @@
           <a:p>
             <a:fld id="{A89F5469-1DD7-4EEF-A950-A56122DA5497}" type="datetimeFigureOut">
               <a:rPr lang="ko-KR" altLang="en-US" smtClean="0"/>
-              <a:t>2016-10-15</a:t>
+              <a:t>2016-10-17</a:t>
             </a:fld>
             <a:endParaRPr lang="ko-KR" altLang="en-US"/>
           </a:p>
@@ -697,7 +697,7 @@
           <a:p>
             <a:fld id="{A89F5469-1DD7-4EEF-A950-A56122DA5497}" type="datetimeFigureOut">
               <a:rPr lang="ko-KR" altLang="en-US" smtClean="0"/>
-              <a:t>2016-10-15</a:t>
+              <a:t>2016-10-17</a:t>
             </a:fld>
             <a:endParaRPr lang="ko-KR" altLang="en-US"/>
           </a:p>
@@ -869,7 +869,7 @@
           <a:p>
             <a:fld id="{A89F5469-1DD7-4EEF-A950-A56122DA5497}" type="datetimeFigureOut">
               <a:rPr lang="ko-KR" altLang="en-US" smtClean="0"/>
-              <a:t>2016-10-15</a:t>
+              <a:t>2016-10-17</a:t>
             </a:fld>
             <a:endParaRPr lang="ko-KR" altLang="en-US"/>
           </a:p>
@@ -1124,7 +1124,7 @@
           <a:p>
             <a:fld id="{A89F5469-1DD7-4EEF-A950-A56122DA5497}" type="datetimeFigureOut">
               <a:rPr lang="ko-KR" altLang="en-US" smtClean="0"/>
-              <a:t>2016-10-15</a:t>
+              <a:t>2016-10-17</a:t>
             </a:fld>
             <a:endParaRPr lang="ko-KR" altLang="en-US"/>
           </a:p>
@@ -1449,7 +1449,7 @@
           <a:p>
             <a:fld id="{A89F5469-1DD7-4EEF-A950-A56122DA5497}" type="datetimeFigureOut">
               <a:rPr lang="ko-KR" altLang="en-US" smtClean="0"/>
-              <a:t>2016-10-15</a:t>
+              <a:t>2016-10-17</a:t>
             </a:fld>
             <a:endParaRPr lang="ko-KR" altLang="en-US"/>
           </a:p>
@@ -1922,7 +1922,7 @@
           <a:p>
             <a:fld id="{A89F5469-1DD7-4EEF-A950-A56122DA5497}" type="datetimeFigureOut">
               <a:rPr lang="ko-KR" altLang="en-US" smtClean="0"/>
-              <a:t>2016-10-15</a:t>
+              <a:t>2016-10-17</a:t>
             </a:fld>
             <a:endParaRPr lang="ko-KR" altLang="en-US"/>
           </a:p>
@@ -2077,7 +2077,7 @@
           <a:p>
             <a:fld id="{A89F5469-1DD7-4EEF-A950-A56122DA5497}" type="datetimeFigureOut">
               <a:rPr lang="ko-KR" altLang="en-US" smtClean="0"/>
-              <a:t>2016-10-15</a:t>
+              <a:t>2016-10-17</a:t>
             </a:fld>
             <a:endParaRPr lang="ko-KR" altLang="en-US"/>
           </a:p>
@@ -2174,7 +2174,7 @@
           <a:p>
             <a:fld id="{A89F5469-1DD7-4EEF-A950-A56122DA5497}" type="datetimeFigureOut">
               <a:rPr lang="ko-KR" altLang="en-US" smtClean="0"/>
-              <a:t>2016-10-15</a:t>
+              <a:t>2016-10-17</a:t>
             </a:fld>
             <a:endParaRPr lang="ko-KR" altLang="en-US"/>
           </a:p>
@@ -2455,7 +2455,7 @@
           <a:p>
             <a:fld id="{A89F5469-1DD7-4EEF-A950-A56122DA5497}" type="datetimeFigureOut">
               <a:rPr lang="ko-KR" altLang="en-US" smtClean="0"/>
-              <a:t>2016-10-15</a:t>
+              <a:t>2016-10-17</a:t>
             </a:fld>
             <a:endParaRPr lang="ko-KR" altLang="en-US"/>
           </a:p>
@@ -2767,7 +2767,7 @@
           <a:p>
             <a:fld id="{A89F5469-1DD7-4EEF-A950-A56122DA5497}" type="datetimeFigureOut">
               <a:rPr lang="ko-KR" altLang="en-US" smtClean="0"/>
-              <a:t>2016-10-15</a:t>
+              <a:t>2016-10-17</a:t>
             </a:fld>
             <a:endParaRPr lang="ko-KR" altLang="en-US"/>
           </a:p>
@@ -3072,7 +3072,7 @@
           <a:p>
             <a:fld id="{A89F5469-1DD7-4EEF-A950-A56122DA5497}" type="datetimeFigureOut">
               <a:rPr lang="ko-KR" altLang="en-US" smtClean="0"/>
-              <a:t>2016-10-15</a:t>
+              <a:t>2016-10-17</a:t>
             </a:fld>
             <a:endParaRPr lang="ko-KR" altLang="en-US"/>
           </a:p>
@@ -4512,6 +4512,114 @@
       </p:grpSpPr>
       <p:sp>
         <p:nvSpPr>
+          <p:cNvPr id="5" name="제목 1"/>
+          <p:cNvSpPr>
+            <a:spLocks noGrp="1"/>
+          </p:cNvSpPr>
+          <p:nvPr>
+            <p:ph type="title"/>
+          </p:nvPr>
+        </p:nvSpPr>
+        <p:spPr>
+          <a:xfrm>
+            <a:off x="0" y="332656"/>
+            <a:ext cx="9144000" cy="990600"/>
+          </a:xfrm>
+        </p:spPr>
+        <p:txBody>
+          <a:bodyPr>
+            <a:normAutofit/>
+          </a:bodyPr>
+          <a:lstStyle/>
+          <a:p>
+            <a:pPr algn="ctr"/>
+            <a:r>
+              <a:rPr lang="en-US" altLang="ko-KR" dirty="0" smtClean="0">
+                <a:latin typeface="HY나무L" panose="02030600000101010101" pitchFamily="18" charset="-127"/>
+                <a:ea typeface="HY나무L" panose="02030600000101010101" pitchFamily="18" charset="-127"/>
+              </a:rPr>
+              <a:t>Git-hub page (commit graph)</a:t>
+            </a:r>
+            <a:endParaRPr lang="ko-KR" altLang="en-US" dirty="0">
+              <a:latin typeface="HY나무L" panose="02030600000101010101" pitchFamily="18" charset="-127"/>
+              <a:ea typeface="HY나무L" panose="02030600000101010101" pitchFamily="18" charset="-127"/>
+            </a:endParaRPr>
+          </a:p>
+        </p:txBody>
+      </p:sp>
+      <p:pic>
+        <p:nvPicPr>
+          <p:cNvPr id="1027" name="Picture 3" descr="C:\Users\user1\Desktop\제목 없음.png"/>
+          <p:cNvPicPr>
+            <a:picLocks noChangeAspect="1" noChangeArrowheads="1"/>
+          </p:cNvPicPr>
+          <p:nvPr/>
+        </p:nvPicPr>
+        <p:blipFill>
+          <a:blip r:embed="rId2">
+            <a:extLst>
+              <a:ext uri="{28A0092B-C50C-407E-A947-70E740481C1C}">
+                <a14:useLocalDpi xmlns:a14="http://schemas.microsoft.com/office/drawing/2010/main" val="0"/>
+              </a:ext>
+            </a:extLst>
+          </a:blip>
+          <a:srcRect/>
+          <a:stretch>
+            <a:fillRect/>
+          </a:stretch>
+        </p:blipFill>
+        <p:spPr bwMode="auto">
+          <a:xfrm>
+            <a:off x="0" y="1484784"/>
+            <a:ext cx="9143999" cy="4762500"/>
+          </a:xfrm>
+          <a:prstGeom prst="rect">
+            <a:avLst/>
+          </a:prstGeom>
+          <a:noFill/>
+          <a:extLst>
+            <a:ext uri="{909E8E84-426E-40DD-AFC4-6F175D3DCCD1}">
+              <a14:hiddenFill xmlns:a14="http://schemas.microsoft.com/office/drawing/2010/main">
+                <a:solidFill>
+                  <a:srgbClr val="FFFFFF"/>
+                </a:solidFill>
+              </a14:hiddenFill>
+            </a:ext>
+          </a:extLst>
+        </p:spPr>
+      </p:pic>
+    </p:spTree>
+    <p:extLst>
+      <p:ext uri="{BB962C8B-B14F-4D97-AF65-F5344CB8AC3E}">
+        <p14:creationId xmlns:p14="http://schemas.microsoft.com/office/powerpoint/2010/main" val="3397748759"/>
+      </p:ext>
+    </p:extLst>
+  </p:cSld>
+  <p:clrMapOvr>
+    <a:masterClrMapping/>
+  </p:clrMapOvr>
+</p:sld>
+</file>
+
+<file path=ppt/slides/slide12.xml><?xml version="1.0" encoding="utf-8"?>
+<p:sld xmlns:a="http://schemas.openxmlformats.org/drawingml/2006/main" xmlns:r="http://schemas.openxmlformats.org/officeDocument/2006/relationships" xmlns:p="http://schemas.openxmlformats.org/presentationml/2006/main">
+  <p:cSld>
+    <p:spTree>
+      <p:nvGrpSpPr>
+        <p:cNvPr id="1" name=""/>
+        <p:cNvGrpSpPr/>
+        <p:nvPr/>
+      </p:nvGrpSpPr>
+      <p:grpSpPr>
+        <a:xfrm>
+          <a:off x="0" y="0"/>
+          <a:ext cx="0" cy="0"/>
+          <a:chOff x="0" y="0"/>
+          <a:chExt cx="0" cy="0"/>
+        </a:xfrm>
+      </p:grpSpPr>
+      <p:sp>
+        <p:nvSpPr>
           <p:cNvPr id="4" name="제목 1"/>
           <p:cNvSpPr>
             <a:spLocks noGrp="1"/>
@@ -4638,114 +4746,6 @@
 </p:sld>
 </file>
 
-<file path=ppt/slides/slide12.xml><?xml version="1.0" encoding="utf-8"?>
-<p:sld xmlns:a="http://schemas.openxmlformats.org/drawingml/2006/main" xmlns:r="http://schemas.openxmlformats.org/officeDocument/2006/relationships" xmlns:p="http://schemas.openxmlformats.org/presentationml/2006/main">
-  <p:cSld>
-    <p:spTree>
-      <p:nvGrpSpPr>
-        <p:cNvPr id="1" name=""/>
-        <p:cNvGrpSpPr/>
-        <p:nvPr/>
-      </p:nvGrpSpPr>
-      <p:grpSpPr>
-        <a:xfrm>
-          <a:off x="0" y="0"/>
-          <a:ext cx="0" cy="0"/>
-          <a:chOff x="0" y="0"/>
-          <a:chExt cx="0" cy="0"/>
-        </a:xfrm>
-      </p:grpSpPr>
-      <p:sp>
-        <p:nvSpPr>
-          <p:cNvPr id="5" name="제목 1"/>
-          <p:cNvSpPr>
-            <a:spLocks noGrp="1"/>
-          </p:cNvSpPr>
-          <p:nvPr>
-            <p:ph type="title"/>
-          </p:nvPr>
-        </p:nvSpPr>
-        <p:spPr>
-          <a:xfrm>
-            <a:off x="0" y="332656"/>
-            <a:ext cx="9144000" cy="990600"/>
-          </a:xfrm>
-        </p:spPr>
-        <p:txBody>
-          <a:bodyPr>
-            <a:normAutofit/>
-          </a:bodyPr>
-          <a:lstStyle/>
-          <a:p>
-            <a:pPr algn="ctr"/>
-            <a:r>
-              <a:rPr lang="en-US" altLang="ko-KR" dirty="0" smtClean="0">
-                <a:latin typeface="HY나무L" panose="02030600000101010101" pitchFamily="18" charset="-127"/>
-                <a:ea typeface="HY나무L" panose="02030600000101010101" pitchFamily="18" charset="-127"/>
-              </a:rPr>
-              <a:t>Git-hub page (commit graph)</a:t>
-            </a:r>
-            <a:endParaRPr lang="ko-KR" altLang="en-US" dirty="0">
-              <a:latin typeface="HY나무L" panose="02030600000101010101" pitchFamily="18" charset="-127"/>
-              <a:ea typeface="HY나무L" panose="02030600000101010101" pitchFamily="18" charset="-127"/>
-            </a:endParaRPr>
-          </a:p>
-        </p:txBody>
-      </p:sp>
-      <p:pic>
-        <p:nvPicPr>
-          <p:cNvPr id="1027" name="Picture 3" descr="C:\Users\user1\Desktop\제목 없음.png"/>
-          <p:cNvPicPr>
-            <a:picLocks noChangeAspect="1" noChangeArrowheads="1"/>
-          </p:cNvPicPr>
-          <p:nvPr/>
-        </p:nvPicPr>
-        <p:blipFill>
-          <a:blip r:embed="rId2">
-            <a:extLst>
-              <a:ext uri="{28A0092B-C50C-407E-A947-70E740481C1C}">
-                <a14:useLocalDpi xmlns:a14="http://schemas.microsoft.com/office/drawing/2010/main" val="0"/>
-              </a:ext>
-            </a:extLst>
-          </a:blip>
-          <a:srcRect/>
-          <a:stretch>
-            <a:fillRect/>
-          </a:stretch>
-        </p:blipFill>
-        <p:spPr bwMode="auto">
-          <a:xfrm>
-            <a:off x="0" y="1484784"/>
-            <a:ext cx="9143999" cy="4762500"/>
-          </a:xfrm>
-          <a:prstGeom prst="rect">
-            <a:avLst/>
-          </a:prstGeom>
-          <a:noFill/>
-          <a:extLst>
-            <a:ext uri="{909E8E84-426E-40DD-AFC4-6F175D3DCCD1}">
-              <a14:hiddenFill xmlns:a14="http://schemas.microsoft.com/office/drawing/2010/main">
-                <a:solidFill>
-                  <a:srgbClr val="FFFFFF"/>
-                </a:solidFill>
-              </a14:hiddenFill>
-            </a:ext>
-          </a:extLst>
-        </p:spPr>
-      </p:pic>
-    </p:spTree>
-    <p:extLst>
-      <p:ext uri="{BB962C8B-B14F-4D97-AF65-F5344CB8AC3E}">
-        <p14:creationId xmlns:p14="http://schemas.microsoft.com/office/powerpoint/2010/main" val="3397748759"/>
-      </p:ext>
-    </p:extLst>
-  </p:cSld>
-  <p:clrMapOvr>
-    <a:masterClrMapping/>
-  </p:clrMapOvr>
-</p:sld>
-</file>
-
 <file path=ppt/slides/slide13.xml><?xml version="1.0" encoding="utf-8"?>
 <p:sld xmlns:a="http://schemas.openxmlformats.org/drawingml/2006/main" xmlns:r="http://schemas.openxmlformats.org/officeDocument/2006/relationships" xmlns:p="http://schemas.openxmlformats.org/presentationml/2006/main">
   <p:cSld>
@@ -5594,6 +5594,37 @@
             </a:r>
           </a:p>
           <a:p>
+            <a:endParaRPr lang="en-US" altLang="ko-KR" dirty="0" smtClean="0">
+              <a:latin typeface="Arial Unicode MS" panose="020B0604020202020204" pitchFamily="50" charset="-127"/>
+              <a:ea typeface="Arial Unicode MS" panose="020B0604020202020204" pitchFamily="50" charset="-127"/>
+              <a:cs typeface="Arial Unicode MS" panose="020B0604020202020204" pitchFamily="50" charset="-127"/>
+            </a:endParaRPr>
+          </a:p>
+          <a:p>
+            <a:r>
+              <a:rPr lang="en-US" altLang="ko-KR" dirty="0">
+                <a:solidFill>
+                  <a:srgbClr val="0070C0"/>
+                </a:solidFill>
+                <a:latin typeface="Arial Unicode MS" panose="020B0604020202020204" pitchFamily="50" charset="-127"/>
+                <a:ea typeface="Arial Unicode MS" panose="020B0604020202020204" pitchFamily="50" charset="-127"/>
+                <a:cs typeface="Arial Unicode MS" panose="020B0604020202020204" pitchFamily="50" charset="-127"/>
+              </a:rPr>
+              <a:t>Git-hub page </a:t>
+            </a:r>
+            <a:r>
+              <a:rPr lang="en-US" altLang="ko-KR" dirty="0">
+                <a:latin typeface="Arial Unicode MS" panose="020B0604020202020204" pitchFamily="50" charset="-127"/>
+                <a:ea typeface="Arial Unicode MS" panose="020B0604020202020204" pitchFamily="50" charset="-127"/>
+                <a:cs typeface="Arial Unicode MS" panose="020B0604020202020204" pitchFamily="50" charset="-127"/>
+              </a:rPr>
+              <a:t>(commit graph)</a:t>
+            </a:r>
+          </a:p>
+          <a:p>
+            <a:pPr marL="0" indent="0">
+              <a:buNone/>
+            </a:pPr>
             <a:endParaRPr lang="en-US" altLang="ko-KR" dirty="0">
               <a:latin typeface="Arial Unicode MS" panose="020B0604020202020204" pitchFamily="50" charset="-127"/>
               <a:ea typeface="Arial Unicode MS" panose="020B0604020202020204" pitchFamily="50" charset="-127"/>
@@ -5622,34 +5653,9 @@
             </a:r>
           </a:p>
           <a:p>
-            <a:endParaRPr lang="en-US" altLang="ko-KR" dirty="0" smtClean="0">
-              <a:latin typeface="Arial Unicode MS" panose="020B0604020202020204" pitchFamily="50" charset="-127"/>
-              <a:ea typeface="Arial Unicode MS" panose="020B0604020202020204" pitchFamily="50" charset="-127"/>
-              <a:cs typeface="Arial Unicode MS" panose="020B0604020202020204" pitchFamily="50" charset="-127"/>
-            </a:endParaRPr>
-          </a:p>
-          <a:p>
-            <a:r>
-              <a:rPr lang="en-US" altLang="ko-KR" dirty="0" smtClean="0">
-                <a:solidFill>
-                  <a:srgbClr val="0070C0"/>
-                </a:solidFill>
-                <a:latin typeface="Arial Unicode MS" panose="020B0604020202020204" pitchFamily="50" charset="-127"/>
-                <a:ea typeface="Arial Unicode MS" panose="020B0604020202020204" pitchFamily="50" charset="-127"/>
-                <a:cs typeface="Arial Unicode MS" panose="020B0604020202020204" pitchFamily="50" charset="-127"/>
-              </a:rPr>
-              <a:t>Git-hub page </a:t>
-            </a:r>
-            <a:r>
-              <a:rPr lang="en-US" altLang="ko-KR" dirty="0" smtClean="0">
-                <a:latin typeface="Arial Unicode MS" panose="020B0604020202020204" pitchFamily="50" charset="-127"/>
-                <a:ea typeface="Arial Unicode MS" panose="020B0604020202020204" pitchFamily="50" charset="-127"/>
-                <a:cs typeface="Arial Unicode MS" panose="020B0604020202020204" pitchFamily="50" charset="-127"/>
-              </a:rPr>
-              <a:t>(commit graph)</a:t>
-            </a:r>
-          </a:p>
-          <a:p>
+            <a:pPr marL="0" indent="0">
+              <a:buNone/>
+            </a:pPr>
             <a:endParaRPr lang="en-US" altLang="ko-KR" dirty="0">
               <a:latin typeface="Arial Unicode MS" panose="020B0604020202020204" pitchFamily="50" charset="-127"/>
               <a:ea typeface="Arial Unicode MS" panose="020B0604020202020204" pitchFamily="50" charset="-127"/>
@@ -5674,7 +5680,15 @@
                 <a:ea typeface="Arial Unicode MS" panose="020B0604020202020204" pitchFamily="50" charset="-127"/>
                 <a:cs typeface="Arial Unicode MS" panose="020B0604020202020204" pitchFamily="50" charset="-127"/>
               </a:rPr>
-              <a:t>(estimation)</a:t>
+              <a:t>(</a:t>
+            </a:r>
+            <a:r>
+              <a:rPr lang="en-US" altLang="ko-KR" dirty="0" smtClean="0">
+                <a:latin typeface="Arial Unicode MS" panose="020B0604020202020204" pitchFamily="50" charset="-127"/>
+                <a:ea typeface="Arial Unicode MS" panose="020B0604020202020204" pitchFamily="50" charset="-127"/>
+                <a:cs typeface="Arial Unicode MS" panose="020B0604020202020204" pitchFamily="50" charset="-127"/>
+              </a:rPr>
+              <a:t>estimation)0</a:t>
             </a:r>
             <a:endParaRPr lang="ko-KR" altLang="en-US" dirty="0">
               <a:latin typeface="Arial Unicode MS" panose="020B0604020202020204" pitchFamily="50" charset="-127"/>
@@ -7157,7 +7171,7 @@
                 </a:solidFill>
                 <a:latin typeface="Cambria Math" panose="02040503050406030204" pitchFamily="18" charset="0"/>
               </a:rPr>
-              <a:t>3</a:t>
+              <a:t>2</a:t>
             </a:r>
             <a:r>
               <a:rPr lang="en-US" altLang="ko-KR" sz="2800" dirty="0" smtClean="0">
@@ -7528,7 +7542,7 @@
                 </a:solidFill>
                 <a:latin typeface="Cambria Math" panose="02040503050406030204" pitchFamily="18" charset="0"/>
               </a:rPr>
-              <a:t>4</a:t>
+              <a:t>3</a:t>
             </a:r>
             <a:r>
               <a:rPr lang="en-US" altLang="ko-KR" sz="2800" dirty="0" smtClean="0">
@@ -7851,7 +7865,7 @@
                 </a:solidFill>
                 <a:latin typeface="Cambria Math" panose="02040503050406030204" pitchFamily="18" charset="0"/>
               </a:rPr>
-              <a:t>4</a:t>
+              <a:t>5</a:t>
             </a:r>
             <a:r>
               <a:rPr lang="en-US" altLang="ko-KR" sz="2800" dirty="0" smtClean="0">
@@ -8328,7 +8342,7 @@
                 </a:solidFill>
                 <a:latin typeface="Cambria Math" panose="02040503050406030204" pitchFamily="18" charset="0"/>
               </a:rPr>
-              <a:t>4</a:t>
+              <a:t>5</a:t>
             </a:r>
             <a:r>
               <a:rPr lang="en-US" altLang="ko-KR" sz="2800" dirty="0" smtClean="0">
@@ -8547,7 +8561,7 @@
             <p:ph idx="1"/>
             <p:extLst>
               <p:ext uri="{D42A27DB-BD31-4B8C-83A1-F6EECF244321}">
-                <p14:modId xmlns:p14="http://schemas.microsoft.com/office/powerpoint/2010/main" val="3064619273"/>
+                <p14:modId xmlns:p14="http://schemas.microsoft.com/office/powerpoint/2010/main" val="3874610579"/>
               </p:ext>
             </p:extLst>
           </p:nvPr>
@@ -9463,7 +9477,16 @@
                           </a:solidFill>
                           <a:latin typeface="Cambria Math" panose="02040503050406030204" pitchFamily="18" charset="0"/>
                         </a:rPr>
-                        <a:t> 느낌을 최대한 살림</a:t>
+                        <a:t> 느낌을 </a:t>
+                      </a:r>
+                      <a:r>
+                        <a:rPr lang="ko-KR" altLang="en-US" baseline="0" dirty="0" smtClean="0">
+                          <a:solidFill>
+                            <a:srgbClr val="0070C0"/>
+                          </a:solidFill>
+                          <a:latin typeface="Cambria Math" panose="02040503050406030204" pitchFamily="18" charset="0"/>
+                        </a:rPr>
+                        <a:t>살림</a:t>
                       </a:r>
                       <a:endParaRPr lang="ko-KR" altLang="en-US" dirty="0">
                         <a:solidFill>
@@ -9821,7 +9844,7 @@
                           <a:latin typeface="Cambria Math" panose="02040503050406030204" pitchFamily="18" charset="0"/>
                           <a:ea typeface="Cambria Math" panose="02040503050406030204" pitchFamily="18" charset="0"/>
                         </a:rPr>
-                        <a:t>5</a:t>
+                        <a:t>10</a:t>
                       </a:r>
                       <a:r>
                         <a:rPr lang="ko-KR" altLang="en-US" dirty="0" smtClean="0">
@@ -9859,7 +9882,7 @@
                           <a:latin typeface="Cambria Math" panose="02040503050406030204" pitchFamily="18" charset="0"/>
                           <a:ea typeface="Cambria Math" panose="02040503050406030204" pitchFamily="18" charset="0"/>
                         </a:rPr>
-                        <a:t>4 </a:t>
+                        <a:t>9</a:t>
                       </a:r>
                       <a:r>
                         <a:rPr lang="ko-KR" altLang="en-US" dirty="0" smtClean="0">
@@ -10552,22 +10575,13 @@
                         <a:t>소스코드 </a:t>
                       </a:r>
                       <a:r>
-                        <a:rPr lang="ko-KR" altLang="en-US" baseline="0" dirty="0" err="1" smtClean="0">
-                          <a:solidFill>
-                            <a:srgbClr val="0070C0"/>
-                          </a:solidFill>
-                          <a:latin typeface="Cambria Math" panose="02040503050406030204" pitchFamily="18" charset="0"/>
-                        </a:rPr>
-                        <a:t>간략화</a:t>
-                      </a:r>
-                      <a:r>
                         <a:rPr lang="ko-KR" altLang="en-US" baseline="0" dirty="0" smtClean="0">
                           <a:solidFill>
                             <a:srgbClr val="0070C0"/>
                           </a:solidFill>
                           <a:latin typeface="Cambria Math" panose="02040503050406030204" pitchFamily="18" charset="0"/>
                         </a:rPr>
-                        <a:t> </a:t>
+                        <a:t>정리 </a:t>
                       </a:r>
                       <a:r>
                         <a:rPr lang="en-US" altLang="ko-KR" baseline="0" dirty="0" smtClean="0">

--- a/DRIFT2.pptx
+++ b/DRIFT2.pptx
@@ -5680,7 +5680,7 @@
                 <a:ea typeface="Arial Unicode MS" panose="020B0604020202020204" pitchFamily="50" charset="-127"/>
                 <a:cs typeface="Arial Unicode MS" panose="020B0604020202020204" pitchFamily="50" charset="-127"/>
               </a:rPr>
-              <a:t>(</a:t>
+              <a:t>(estimation</a:t>
             </a:r>
             <a:r>
               <a:rPr lang="en-US" altLang="ko-KR" dirty="0" smtClean="0">
@@ -5688,7 +5688,7 @@
                 <a:ea typeface="Arial Unicode MS" panose="020B0604020202020204" pitchFamily="50" charset="-127"/>
                 <a:cs typeface="Arial Unicode MS" panose="020B0604020202020204" pitchFamily="50" charset="-127"/>
               </a:rPr>
-              <a:t>estimation)0</a:t>
+              <a:t>)</a:t>
             </a:r>
             <a:endParaRPr lang="ko-KR" altLang="en-US" dirty="0">
               <a:latin typeface="Arial Unicode MS" panose="020B0604020202020204" pitchFamily="50" charset="-127"/>
@@ -9477,16 +9477,7 @@
                           </a:solidFill>
                           <a:latin typeface="Cambria Math" panose="02040503050406030204" pitchFamily="18" charset="0"/>
                         </a:rPr>
-                        <a:t> 느낌을 </a:t>
-                      </a:r>
-                      <a:r>
-                        <a:rPr lang="ko-KR" altLang="en-US" baseline="0" dirty="0" smtClean="0">
-                          <a:solidFill>
-                            <a:srgbClr val="0070C0"/>
-                          </a:solidFill>
-                          <a:latin typeface="Cambria Math" panose="02040503050406030204" pitchFamily="18" charset="0"/>
-                        </a:rPr>
-                        <a:t>살림</a:t>
+                        <a:t> 느낌을 살림</a:t>
                       </a:r>
                       <a:endParaRPr lang="ko-KR" altLang="en-US" dirty="0">
                         <a:solidFill>
@@ -10572,16 +10563,7 @@
                           </a:solidFill>
                           <a:latin typeface="Cambria Math" panose="02040503050406030204" pitchFamily="18" charset="0"/>
                         </a:rPr>
-                        <a:t>소스코드 </a:t>
-                      </a:r>
-                      <a:r>
-                        <a:rPr lang="ko-KR" altLang="en-US" baseline="0" dirty="0" smtClean="0">
-                          <a:solidFill>
-                            <a:srgbClr val="0070C0"/>
-                          </a:solidFill>
-                          <a:latin typeface="Cambria Math" panose="02040503050406030204" pitchFamily="18" charset="0"/>
-                        </a:rPr>
-                        <a:t>정리 </a:t>
+                        <a:t>소스코드 정리 </a:t>
                       </a:r>
                       <a:r>
                         <a:rPr lang="en-US" altLang="ko-KR" baseline="0" dirty="0" smtClean="0">
